--- a/ppt 16-9/1534.主啊祢最美.pptx
+++ b/ppt 16-9/1534.主啊祢最美.pptx
@@ -129,7 +129,7 @@
           <p:cNvPr id="2" name="标题 1">
             <a:extLst>
               <a:ext uri="{FF2B5EF4-FFF2-40B4-BE49-F238E27FC236}">
-                <a16:creationId xmlns:a16="http://schemas.microsoft.com/office/drawing/2014/main" id="{C301D3DE-FA03-D637-1A6E-175BA1BC463B}"/>
+                <a16:creationId xmlns:a16="http://schemas.microsoft.com/office/drawing/2014/main" id="{5135B244-F6E3-82B4-873C-870889308F11}"/>
               </a:ext>
             </a:extLst>
           </p:cNvPr>
@@ -166,7 +166,7 @@
           <p:cNvPr id="3" name="副标题 2">
             <a:extLst>
               <a:ext uri="{FF2B5EF4-FFF2-40B4-BE49-F238E27FC236}">
-                <a16:creationId xmlns:a16="http://schemas.microsoft.com/office/drawing/2014/main" id="{B295E5C7-B834-1BC0-0F29-A70DB000C6DD}"/>
+                <a16:creationId xmlns:a16="http://schemas.microsoft.com/office/drawing/2014/main" id="{298C87FD-0BEA-1645-955A-F523709F06A1}"/>
               </a:ext>
             </a:extLst>
           </p:cNvPr>
@@ -236,7 +236,7 @@
           <p:cNvPr id="4" name="日期占位符 3">
             <a:extLst>
               <a:ext uri="{FF2B5EF4-FFF2-40B4-BE49-F238E27FC236}">
-                <a16:creationId xmlns:a16="http://schemas.microsoft.com/office/drawing/2014/main" id="{60ADC7DC-EAC8-DBFF-C11B-5C6C23268871}"/>
+                <a16:creationId xmlns:a16="http://schemas.microsoft.com/office/drawing/2014/main" id="{60614B64-C1EC-82F8-6728-F1CE638442C1}"/>
               </a:ext>
             </a:extLst>
           </p:cNvPr>
@@ -252,7 +252,7 @@
           <a:bodyPr/>
           <a:lstStyle/>
           <a:p>
-            <a:fld id="{88BCB6F0-CC02-42E5-9156-954953B7D2B6}" type="datetimeFigureOut">
+            <a:fld id="{C65137E3-8D3C-4B0F-AC64-3C9C31F0F0B5}" type="datetimeFigureOut">
               <a:rPr lang="zh-CN" altLang="en-US" smtClean="0"/>
               <a:t>2024/3/10</a:t>
             </a:fld>
@@ -265,7 +265,7 @@
           <p:cNvPr id="5" name="页脚占位符 4">
             <a:extLst>
               <a:ext uri="{FF2B5EF4-FFF2-40B4-BE49-F238E27FC236}">
-                <a16:creationId xmlns:a16="http://schemas.microsoft.com/office/drawing/2014/main" id="{3106BC9B-F24A-4E92-192D-B27BAAF20B04}"/>
+                <a16:creationId xmlns:a16="http://schemas.microsoft.com/office/drawing/2014/main" id="{A2FDC9E9-AC62-8B86-589F-301AE274F8B5}"/>
               </a:ext>
             </a:extLst>
           </p:cNvPr>
@@ -290,7 +290,7 @@
           <p:cNvPr id="6" name="灯片编号占位符 5">
             <a:extLst>
               <a:ext uri="{FF2B5EF4-FFF2-40B4-BE49-F238E27FC236}">
-                <a16:creationId xmlns:a16="http://schemas.microsoft.com/office/drawing/2014/main" id="{50750C09-03F9-FEC5-DAB3-1B46855947DF}"/>
+                <a16:creationId xmlns:a16="http://schemas.microsoft.com/office/drawing/2014/main" id="{1A4D7006-6AC1-0CF4-05F0-B79186E020C3}"/>
               </a:ext>
             </a:extLst>
           </p:cNvPr>
@@ -306,7 +306,7 @@
           <a:bodyPr/>
           <a:lstStyle/>
           <a:p>
-            <a:fld id="{CA57E5D5-D73E-4DCB-AEF4-89BFFE42125C}" type="slidenum">
+            <a:fld id="{ADD9C458-4448-4B9C-8884-1869A895C8F3}" type="slidenum">
               <a:rPr lang="zh-CN" altLang="en-US" smtClean="0"/>
               <a:t>‹#›</a:t>
             </a:fld>
@@ -317,7 +317,7 @@
     </p:spTree>
     <p:extLst>
       <p:ext uri="{BB962C8B-B14F-4D97-AF65-F5344CB8AC3E}">
-        <p14:creationId xmlns:p14="http://schemas.microsoft.com/office/powerpoint/2010/main" val="2086637353"/>
+        <p14:creationId xmlns:p14="http://schemas.microsoft.com/office/powerpoint/2010/main" val="1834851892"/>
       </p:ext>
     </p:extLst>
   </p:cSld>
@@ -349,7 +349,7 @@
           <p:cNvPr id="2" name="标题 1">
             <a:extLst>
               <a:ext uri="{FF2B5EF4-FFF2-40B4-BE49-F238E27FC236}">
-                <a16:creationId xmlns:a16="http://schemas.microsoft.com/office/drawing/2014/main" id="{33D9C438-93DD-BFE3-2985-1B4B9E772F97}"/>
+                <a16:creationId xmlns:a16="http://schemas.microsoft.com/office/drawing/2014/main" id="{C089E9D8-D3FD-01CA-89FD-B0ECBB826543}"/>
               </a:ext>
             </a:extLst>
           </p:cNvPr>
@@ -377,7 +377,7 @@
           <p:cNvPr id="3" name="竖排文字占位符 2">
             <a:extLst>
               <a:ext uri="{FF2B5EF4-FFF2-40B4-BE49-F238E27FC236}">
-                <a16:creationId xmlns:a16="http://schemas.microsoft.com/office/drawing/2014/main" id="{3EF84EDA-6EF6-4F8B-45F6-5E2F25FBDF87}"/>
+                <a16:creationId xmlns:a16="http://schemas.microsoft.com/office/drawing/2014/main" id="{F38DD006-10CF-F997-74C5-9E4B8736BB8E}"/>
               </a:ext>
             </a:extLst>
           </p:cNvPr>
@@ -434,7 +434,7 @@
           <p:cNvPr id="4" name="日期占位符 3">
             <a:extLst>
               <a:ext uri="{FF2B5EF4-FFF2-40B4-BE49-F238E27FC236}">
-                <a16:creationId xmlns:a16="http://schemas.microsoft.com/office/drawing/2014/main" id="{EE5B1B50-2186-A4CF-3F5F-5572A2C1E654}"/>
+                <a16:creationId xmlns:a16="http://schemas.microsoft.com/office/drawing/2014/main" id="{3E7D5105-2960-D20E-750D-5BA955D9A16B}"/>
               </a:ext>
             </a:extLst>
           </p:cNvPr>
@@ -450,7 +450,7 @@
           <a:bodyPr/>
           <a:lstStyle/>
           <a:p>
-            <a:fld id="{88BCB6F0-CC02-42E5-9156-954953B7D2B6}" type="datetimeFigureOut">
+            <a:fld id="{C65137E3-8D3C-4B0F-AC64-3C9C31F0F0B5}" type="datetimeFigureOut">
               <a:rPr lang="zh-CN" altLang="en-US" smtClean="0"/>
               <a:t>2024/3/10</a:t>
             </a:fld>
@@ -463,7 +463,7 @@
           <p:cNvPr id="5" name="页脚占位符 4">
             <a:extLst>
               <a:ext uri="{FF2B5EF4-FFF2-40B4-BE49-F238E27FC236}">
-                <a16:creationId xmlns:a16="http://schemas.microsoft.com/office/drawing/2014/main" id="{D928C818-6105-2C76-0FA4-131A04208DAA}"/>
+                <a16:creationId xmlns:a16="http://schemas.microsoft.com/office/drawing/2014/main" id="{F60F6E78-184E-E9E5-E0B6-BC5D07A844D7}"/>
               </a:ext>
             </a:extLst>
           </p:cNvPr>
@@ -488,7 +488,7 @@
           <p:cNvPr id="6" name="灯片编号占位符 5">
             <a:extLst>
               <a:ext uri="{FF2B5EF4-FFF2-40B4-BE49-F238E27FC236}">
-                <a16:creationId xmlns:a16="http://schemas.microsoft.com/office/drawing/2014/main" id="{FB0A1A0C-A78B-6D07-9C1C-C11031B4C91E}"/>
+                <a16:creationId xmlns:a16="http://schemas.microsoft.com/office/drawing/2014/main" id="{FEC07F0E-BFED-DCB4-06A8-7A484A2E0FAE}"/>
               </a:ext>
             </a:extLst>
           </p:cNvPr>
@@ -504,7 +504,7 @@
           <a:bodyPr/>
           <a:lstStyle/>
           <a:p>
-            <a:fld id="{CA57E5D5-D73E-4DCB-AEF4-89BFFE42125C}" type="slidenum">
+            <a:fld id="{ADD9C458-4448-4B9C-8884-1869A895C8F3}" type="slidenum">
               <a:rPr lang="zh-CN" altLang="en-US" smtClean="0"/>
               <a:t>‹#›</a:t>
             </a:fld>
@@ -515,7 +515,7 @@
     </p:spTree>
     <p:extLst>
       <p:ext uri="{BB962C8B-B14F-4D97-AF65-F5344CB8AC3E}">
-        <p14:creationId xmlns:p14="http://schemas.microsoft.com/office/powerpoint/2010/main" val="3561063001"/>
+        <p14:creationId xmlns:p14="http://schemas.microsoft.com/office/powerpoint/2010/main" val="4287231025"/>
       </p:ext>
     </p:extLst>
   </p:cSld>
@@ -547,7 +547,7 @@
           <p:cNvPr id="2" name="竖排标题 1">
             <a:extLst>
               <a:ext uri="{FF2B5EF4-FFF2-40B4-BE49-F238E27FC236}">
-                <a16:creationId xmlns:a16="http://schemas.microsoft.com/office/drawing/2014/main" id="{37BF1640-6E67-ADF6-3C49-BEEF8709D742}"/>
+                <a16:creationId xmlns:a16="http://schemas.microsoft.com/office/drawing/2014/main" id="{D430C13E-08E9-38F5-2F5D-DC7AAA065351}"/>
               </a:ext>
             </a:extLst>
           </p:cNvPr>
@@ -580,7 +580,7 @@
           <p:cNvPr id="3" name="竖排文字占位符 2">
             <a:extLst>
               <a:ext uri="{FF2B5EF4-FFF2-40B4-BE49-F238E27FC236}">
-                <a16:creationId xmlns:a16="http://schemas.microsoft.com/office/drawing/2014/main" id="{237EB822-5F16-C8E2-24F2-5DD513893859}"/>
+                <a16:creationId xmlns:a16="http://schemas.microsoft.com/office/drawing/2014/main" id="{D715C2B4-56BF-71C9-929F-73E2597094E9}"/>
               </a:ext>
             </a:extLst>
           </p:cNvPr>
@@ -642,7 +642,7 @@
           <p:cNvPr id="4" name="日期占位符 3">
             <a:extLst>
               <a:ext uri="{FF2B5EF4-FFF2-40B4-BE49-F238E27FC236}">
-                <a16:creationId xmlns:a16="http://schemas.microsoft.com/office/drawing/2014/main" id="{F1FF1CCF-0A21-2EE0-1C6A-4FFB4F76ED9E}"/>
+                <a16:creationId xmlns:a16="http://schemas.microsoft.com/office/drawing/2014/main" id="{4726E721-1FD9-41D7-4EAF-FE3858242F68}"/>
               </a:ext>
             </a:extLst>
           </p:cNvPr>
@@ -658,7 +658,7 @@
           <a:bodyPr/>
           <a:lstStyle/>
           <a:p>
-            <a:fld id="{88BCB6F0-CC02-42E5-9156-954953B7D2B6}" type="datetimeFigureOut">
+            <a:fld id="{C65137E3-8D3C-4B0F-AC64-3C9C31F0F0B5}" type="datetimeFigureOut">
               <a:rPr lang="zh-CN" altLang="en-US" smtClean="0"/>
               <a:t>2024/3/10</a:t>
             </a:fld>
@@ -671,7 +671,7 @@
           <p:cNvPr id="5" name="页脚占位符 4">
             <a:extLst>
               <a:ext uri="{FF2B5EF4-FFF2-40B4-BE49-F238E27FC236}">
-                <a16:creationId xmlns:a16="http://schemas.microsoft.com/office/drawing/2014/main" id="{7AA23C76-AD5E-C8BF-0788-C97990C54B59}"/>
+                <a16:creationId xmlns:a16="http://schemas.microsoft.com/office/drawing/2014/main" id="{43BAC406-7791-A36F-C630-80D04E979DEF}"/>
               </a:ext>
             </a:extLst>
           </p:cNvPr>
@@ -696,7 +696,7 @@
           <p:cNvPr id="6" name="灯片编号占位符 5">
             <a:extLst>
               <a:ext uri="{FF2B5EF4-FFF2-40B4-BE49-F238E27FC236}">
-                <a16:creationId xmlns:a16="http://schemas.microsoft.com/office/drawing/2014/main" id="{DBC68DD9-EC55-39C8-79AF-5E064045548C}"/>
+                <a16:creationId xmlns:a16="http://schemas.microsoft.com/office/drawing/2014/main" id="{5DAC38BB-F6BB-3452-6300-5672E4E7AC97}"/>
               </a:ext>
             </a:extLst>
           </p:cNvPr>
@@ -712,7 +712,7 @@
           <a:bodyPr/>
           <a:lstStyle/>
           <a:p>
-            <a:fld id="{CA57E5D5-D73E-4DCB-AEF4-89BFFE42125C}" type="slidenum">
+            <a:fld id="{ADD9C458-4448-4B9C-8884-1869A895C8F3}" type="slidenum">
               <a:rPr lang="zh-CN" altLang="en-US" smtClean="0"/>
               <a:t>‹#›</a:t>
             </a:fld>
@@ -723,7 +723,7 @@
     </p:spTree>
     <p:extLst>
       <p:ext uri="{BB962C8B-B14F-4D97-AF65-F5344CB8AC3E}">
-        <p14:creationId xmlns:p14="http://schemas.microsoft.com/office/powerpoint/2010/main" val="1052779660"/>
+        <p14:creationId xmlns:p14="http://schemas.microsoft.com/office/powerpoint/2010/main" val="3536687976"/>
       </p:ext>
     </p:extLst>
   </p:cSld>
@@ -755,7 +755,7 @@
           <p:cNvPr id="2" name="标题 1">
             <a:extLst>
               <a:ext uri="{FF2B5EF4-FFF2-40B4-BE49-F238E27FC236}">
-                <a16:creationId xmlns:a16="http://schemas.microsoft.com/office/drawing/2014/main" id="{32B8F7CC-568E-E167-7BB0-4133EE09ECFE}"/>
+                <a16:creationId xmlns:a16="http://schemas.microsoft.com/office/drawing/2014/main" id="{AA2864D1-7108-91A8-F781-8AEEE90B8148}"/>
               </a:ext>
             </a:extLst>
           </p:cNvPr>
@@ -783,7 +783,7 @@
           <p:cNvPr id="3" name="内容占位符 2">
             <a:extLst>
               <a:ext uri="{FF2B5EF4-FFF2-40B4-BE49-F238E27FC236}">
-                <a16:creationId xmlns:a16="http://schemas.microsoft.com/office/drawing/2014/main" id="{65B3D399-21C5-E0F6-8576-659031B6E592}"/>
+                <a16:creationId xmlns:a16="http://schemas.microsoft.com/office/drawing/2014/main" id="{491F884B-92EA-AA0A-661B-6A90C8A86658}"/>
               </a:ext>
             </a:extLst>
           </p:cNvPr>
@@ -840,7 +840,7 @@
           <p:cNvPr id="4" name="日期占位符 3">
             <a:extLst>
               <a:ext uri="{FF2B5EF4-FFF2-40B4-BE49-F238E27FC236}">
-                <a16:creationId xmlns:a16="http://schemas.microsoft.com/office/drawing/2014/main" id="{04C5B207-1D01-BC43-F76F-88B702C52672}"/>
+                <a16:creationId xmlns:a16="http://schemas.microsoft.com/office/drawing/2014/main" id="{A03A82D2-BB79-4956-46F6-DDC9676BB862}"/>
               </a:ext>
             </a:extLst>
           </p:cNvPr>
@@ -856,7 +856,7 @@
           <a:bodyPr/>
           <a:lstStyle/>
           <a:p>
-            <a:fld id="{88BCB6F0-CC02-42E5-9156-954953B7D2B6}" type="datetimeFigureOut">
+            <a:fld id="{C65137E3-8D3C-4B0F-AC64-3C9C31F0F0B5}" type="datetimeFigureOut">
               <a:rPr lang="zh-CN" altLang="en-US" smtClean="0"/>
               <a:t>2024/3/10</a:t>
             </a:fld>
@@ -869,7 +869,7 @@
           <p:cNvPr id="5" name="页脚占位符 4">
             <a:extLst>
               <a:ext uri="{FF2B5EF4-FFF2-40B4-BE49-F238E27FC236}">
-                <a16:creationId xmlns:a16="http://schemas.microsoft.com/office/drawing/2014/main" id="{3DCF911F-4E47-359C-2373-83F6B7DE1888}"/>
+                <a16:creationId xmlns:a16="http://schemas.microsoft.com/office/drawing/2014/main" id="{2DC67F82-D2C3-91F2-C602-928330CB85F1}"/>
               </a:ext>
             </a:extLst>
           </p:cNvPr>
@@ -894,7 +894,7 @@
           <p:cNvPr id="6" name="灯片编号占位符 5">
             <a:extLst>
               <a:ext uri="{FF2B5EF4-FFF2-40B4-BE49-F238E27FC236}">
-                <a16:creationId xmlns:a16="http://schemas.microsoft.com/office/drawing/2014/main" id="{3A29C9A1-3DBF-8CFF-D55C-EFAFD23E6154}"/>
+                <a16:creationId xmlns:a16="http://schemas.microsoft.com/office/drawing/2014/main" id="{EFB017E2-5313-6A96-18E4-E21935311B06}"/>
               </a:ext>
             </a:extLst>
           </p:cNvPr>
@@ -910,7 +910,7 @@
           <a:bodyPr/>
           <a:lstStyle/>
           <a:p>
-            <a:fld id="{CA57E5D5-D73E-4DCB-AEF4-89BFFE42125C}" type="slidenum">
+            <a:fld id="{ADD9C458-4448-4B9C-8884-1869A895C8F3}" type="slidenum">
               <a:rPr lang="zh-CN" altLang="en-US" smtClean="0"/>
               <a:t>‹#›</a:t>
             </a:fld>
@@ -921,7 +921,7 @@
     </p:spTree>
     <p:extLst>
       <p:ext uri="{BB962C8B-B14F-4D97-AF65-F5344CB8AC3E}">
-        <p14:creationId xmlns:p14="http://schemas.microsoft.com/office/powerpoint/2010/main" val="3250556668"/>
+        <p14:creationId xmlns:p14="http://schemas.microsoft.com/office/powerpoint/2010/main" val="3321336110"/>
       </p:ext>
     </p:extLst>
   </p:cSld>
@@ -953,7 +953,7 @@
           <p:cNvPr id="2" name="标题 1">
             <a:extLst>
               <a:ext uri="{FF2B5EF4-FFF2-40B4-BE49-F238E27FC236}">
-                <a16:creationId xmlns:a16="http://schemas.microsoft.com/office/drawing/2014/main" id="{D3CBC2F6-B5E5-2291-CF6F-CF9204606954}"/>
+                <a16:creationId xmlns:a16="http://schemas.microsoft.com/office/drawing/2014/main" id="{AEE33F9B-58C3-4E2E-816C-7E0CD5F9EAD4}"/>
               </a:ext>
             </a:extLst>
           </p:cNvPr>
@@ -990,7 +990,7 @@
           <p:cNvPr id="3" name="文本占位符 2">
             <a:extLst>
               <a:ext uri="{FF2B5EF4-FFF2-40B4-BE49-F238E27FC236}">
-                <a16:creationId xmlns:a16="http://schemas.microsoft.com/office/drawing/2014/main" id="{639440C2-A3E7-4129-E802-69BEC82212C7}"/>
+                <a16:creationId xmlns:a16="http://schemas.microsoft.com/office/drawing/2014/main" id="{FBC751E7-1215-9609-53D8-D4636CF03B9C}"/>
               </a:ext>
             </a:extLst>
           </p:cNvPr>
@@ -1115,7 +1115,7 @@
           <p:cNvPr id="4" name="日期占位符 3">
             <a:extLst>
               <a:ext uri="{FF2B5EF4-FFF2-40B4-BE49-F238E27FC236}">
-                <a16:creationId xmlns:a16="http://schemas.microsoft.com/office/drawing/2014/main" id="{F87701BB-DA6C-C5BE-8B86-96CE4D651C8D}"/>
+                <a16:creationId xmlns:a16="http://schemas.microsoft.com/office/drawing/2014/main" id="{6D401831-524C-FBA7-2FF3-0BAC807298E8}"/>
               </a:ext>
             </a:extLst>
           </p:cNvPr>
@@ -1131,7 +1131,7 @@
           <a:bodyPr/>
           <a:lstStyle/>
           <a:p>
-            <a:fld id="{88BCB6F0-CC02-42E5-9156-954953B7D2B6}" type="datetimeFigureOut">
+            <a:fld id="{C65137E3-8D3C-4B0F-AC64-3C9C31F0F0B5}" type="datetimeFigureOut">
               <a:rPr lang="zh-CN" altLang="en-US" smtClean="0"/>
               <a:t>2024/3/10</a:t>
             </a:fld>
@@ -1144,7 +1144,7 @@
           <p:cNvPr id="5" name="页脚占位符 4">
             <a:extLst>
               <a:ext uri="{FF2B5EF4-FFF2-40B4-BE49-F238E27FC236}">
-                <a16:creationId xmlns:a16="http://schemas.microsoft.com/office/drawing/2014/main" id="{73DD5EA8-80B2-19D1-F8CD-553CAE5A1FC6}"/>
+                <a16:creationId xmlns:a16="http://schemas.microsoft.com/office/drawing/2014/main" id="{DDAECA5A-7788-AE86-CED4-0054C35D8C43}"/>
               </a:ext>
             </a:extLst>
           </p:cNvPr>
@@ -1169,7 +1169,7 @@
           <p:cNvPr id="6" name="灯片编号占位符 5">
             <a:extLst>
               <a:ext uri="{FF2B5EF4-FFF2-40B4-BE49-F238E27FC236}">
-                <a16:creationId xmlns:a16="http://schemas.microsoft.com/office/drawing/2014/main" id="{27600C7D-00FA-A10C-4B67-6DD66EA136B0}"/>
+                <a16:creationId xmlns:a16="http://schemas.microsoft.com/office/drawing/2014/main" id="{7D805595-B720-81A2-26B0-43A9572ACD1C}"/>
               </a:ext>
             </a:extLst>
           </p:cNvPr>
@@ -1185,7 +1185,7 @@
           <a:bodyPr/>
           <a:lstStyle/>
           <a:p>
-            <a:fld id="{CA57E5D5-D73E-4DCB-AEF4-89BFFE42125C}" type="slidenum">
+            <a:fld id="{ADD9C458-4448-4B9C-8884-1869A895C8F3}" type="slidenum">
               <a:rPr lang="zh-CN" altLang="en-US" smtClean="0"/>
               <a:t>‹#›</a:t>
             </a:fld>
@@ -1196,7 +1196,7 @@
     </p:spTree>
     <p:extLst>
       <p:ext uri="{BB962C8B-B14F-4D97-AF65-F5344CB8AC3E}">
-        <p14:creationId xmlns:p14="http://schemas.microsoft.com/office/powerpoint/2010/main" val="1859020232"/>
+        <p14:creationId xmlns:p14="http://schemas.microsoft.com/office/powerpoint/2010/main" val="3415660511"/>
       </p:ext>
     </p:extLst>
   </p:cSld>
@@ -1228,7 +1228,7 @@
           <p:cNvPr id="2" name="标题 1">
             <a:extLst>
               <a:ext uri="{FF2B5EF4-FFF2-40B4-BE49-F238E27FC236}">
-                <a16:creationId xmlns:a16="http://schemas.microsoft.com/office/drawing/2014/main" id="{4894F436-DFFA-A4DD-9DEA-D064C8549039}"/>
+                <a16:creationId xmlns:a16="http://schemas.microsoft.com/office/drawing/2014/main" id="{EA871961-D4E2-1BE7-0784-E1F425CC87AB}"/>
               </a:ext>
             </a:extLst>
           </p:cNvPr>
@@ -1256,7 +1256,7 @@
           <p:cNvPr id="3" name="内容占位符 2">
             <a:extLst>
               <a:ext uri="{FF2B5EF4-FFF2-40B4-BE49-F238E27FC236}">
-                <a16:creationId xmlns:a16="http://schemas.microsoft.com/office/drawing/2014/main" id="{D411B2CA-9933-B4B5-0FBF-C1E4B7F44FFF}"/>
+                <a16:creationId xmlns:a16="http://schemas.microsoft.com/office/drawing/2014/main" id="{724DA743-3714-D94C-8B50-9065456FEADD}"/>
               </a:ext>
             </a:extLst>
           </p:cNvPr>
@@ -1318,7 +1318,7 @@
           <p:cNvPr id="4" name="内容占位符 3">
             <a:extLst>
               <a:ext uri="{FF2B5EF4-FFF2-40B4-BE49-F238E27FC236}">
-                <a16:creationId xmlns:a16="http://schemas.microsoft.com/office/drawing/2014/main" id="{60296903-8035-A69F-4BAF-80C33EB9E0A2}"/>
+                <a16:creationId xmlns:a16="http://schemas.microsoft.com/office/drawing/2014/main" id="{D8256853-22C9-77F8-1E7D-910E162CB31E}"/>
               </a:ext>
             </a:extLst>
           </p:cNvPr>
@@ -1380,7 +1380,7 @@
           <p:cNvPr id="5" name="日期占位符 4">
             <a:extLst>
               <a:ext uri="{FF2B5EF4-FFF2-40B4-BE49-F238E27FC236}">
-                <a16:creationId xmlns:a16="http://schemas.microsoft.com/office/drawing/2014/main" id="{03148947-9C2F-382A-822D-D08CF71B8A52}"/>
+                <a16:creationId xmlns:a16="http://schemas.microsoft.com/office/drawing/2014/main" id="{F087444A-0CED-D846-3DE6-1F553CA06E55}"/>
               </a:ext>
             </a:extLst>
           </p:cNvPr>
@@ -1396,7 +1396,7 @@
           <a:bodyPr/>
           <a:lstStyle/>
           <a:p>
-            <a:fld id="{88BCB6F0-CC02-42E5-9156-954953B7D2B6}" type="datetimeFigureOut">
+            <a:fld id="{C65137E3-8D3C-4B0F-AC64-3C9C31F0F0B5}" type="datetimeFigureOut">
               <a:rPr lang="zh-CN" altLang="en-US" smtClean="0"/>
               <a:t>2024/3/10</a:t>
             </a:fld>
@@ -1409,7 +1409,7 @@
           <p:cNvPr id="6" name="页脚占位符 5">
             <a:extLst>
               <a:ext uri="{FF2B5EF4-FFF2-40B4-BE49-F238E27FC236}">
-                <a16:creationId xmlns:a16="http://schemas.microsoft.com/office/drawing/2014/main" id="{E13BC16F-7704-CCDE-2576-CA61AEFCBC16}"/>
+                <a16:creationId xmlns:a16="http://schemas.microsoft.com/office/drawing/2014/main" id="{573A769A-F86E-5D4E-4E8A-8F6107F135CB}"/>
               </a:ext>
             </a:extLst>
           </p:cNvPr>
@@ -1434,7 +1434,7 @@
           <p:cNvPr id="7" name="灯片编号占位符 6">
             <a:extLst>
               <a:ext uri="{FF2B5EF4-FFF2-40B4-BE49-F238E27FC236}">
-                <a16:creationId xmlns:a16="http://schemas.microsoft.com/office/drawing/2014/main" id="{72607024-84F9-BEA0-B805-F18616D38B82}"/>
+                <a16:creationId xmlns:a16="http://schemas.microsoft.com/office/drawing/2014/main" id="{0BA6BDE7-4B64-670B-5948-6BF3CCBB3F09}"/>
               </a:ext>
             </a:extLst>
           </p:cNvPr>
@@ -1450,7 +1450,7 @@
           <a:bodyPr/>
           <a:lstStyle/>
           <a:p>
-            <a:fld id="{CA57E5D5-D73E-4DCB-AEF4-89BFFE42125C}" type="slidenum">
+            <a:fld id="{ADD9C458-4448-4B9C-8884-1869A895C8F3}" type="slidenum">
               <a:rPr lang="zh-CN" altLang="en-US" smtClean="0"/>
               <a:t>‹#›</a:t>
             </a:fld>
@@ -1461,7 +1461,7 @@
     </p:spTree>
     <p:extLst>
       <p:ext uri="{BB962C8B-B14F-4D97-AF65-F5344CB8AC3E}">
-        <p14:creationId xmlns:p14="http://schemas.microsoft.com/office/powerpoint/2010/main" val="1023138566"/>
+        <p14:creationId xmlns:p14="http://schemas.microsoft.com/office/powerpoint/2010/main" val="2401473763"/>
       </p:ext>
     </p:extLst>
   </p:cSld>
@@ -1493,7 +1493,7 @@
           <p:cNvPr id="2" name="标题 1">
             <a:extLst>
               <a:ext uri="{FF2B5EF4-FFF2-40B4-BE49-F238E27FC236}">
-                <a16:creationId xmlns:a16="http://schemas.microsoft.com/office/drawing/2014/main" id="{85C7D897-AE95-3C98-64CE-AB1C7C9D443F}"/>
+                <a16:creationId xmlns:a16="http://schemas.microsoft.com/office/drawing/2014/main" id="{63CB8284-C328-44D4-3AE5-DEB5175728E1}"/>
               </a:ext>
             </a:extLst>
           </p:cNvPr>
@@ -1526,7 +1526,7 @@
           <p:cNvPr id="3" name="文本占位符 2">
             <a:extLst>
               <a:ext uri="{FF2B5EF4-FFF2-40B4-BE49-F238E27FC236}">
-                <a16:creationId xmlns:a16="http://schemas.microsoft.com/office/drawing/2014/main" id="{17FA8DA7-B0E1-C01E-36A8-8C7BF86B799E}"/>
+                <a16:creationId xmlns:a16="http://schemas.microsoft.com/office/drawing/2014/main" id="{053BD0C3-73E3-EFFF-3ECA-C18EE8B88FE7}"/>
               </a:ext>
             </a:extLst>
           </p:cNvPr>
@@ -1597,7 +1597,7 @@
           <p:cNvPr id="4" name="内容占位符 3">
             <a:extLst>
               <a:ext uri="{FF2B5EF4-FFF2-40B4-BE49-F238E27FC236}">
-                <a16:creationId xmlns:a16="http://schemas.microsoft.com/office/drawing/2014/main" id="{57FE783E-E080-15C8-079E-21664C90DE26}"/>
+                <a16:creationId xmlns:a16="http://schemas.microsoft.com/office/drawing/2014/main" id="{694B8379-EF7D-F45C-E8B9-BD5637E8375E}"/>
               </a:ext>
             </a:extLst>
           </p:cNvPr>
@@ -1659,7 +1659,7 @@
           <p:cNvPr id="5" name="文本占位符 4">
             <a:extLst>
               <a:ext uri="{FF2B5EF4-FFF2-40B4-BE49-F238E27FC236}">
-                <a16:creationId xmlns:a16="http://schemas.microsoft.com/office/drawing/2014/main" id="{EC97ECCE-8230-5460-BE11-43DB68C7DE9F}"/>
+                <a16:creationId xmlns:a16="http://schemas.microsoft.com/office/drawing/2014/main" id="{6301C95E-BCFE-3E51-7D23-096786230090}"/>
               </a:ext>
             </a:extLst>
           </p:cNvPr>
@@ -1730,7 +1730,7 @@
           <p:cNvPr id="6" name="内容占位符 5">
             <a:extLst>
               <a:ext uri="{FF2B5EF4-FFF2-40B4-BE49-F238E27FC236}">
-                <a16:creationId xmlns:a16="http://schemas.microsoft.com/office/drawing/2014/main" id="{C3999630-9419-B76E-A0E5-04C2DA60FC85}"/>
+                <a16:creationId xmlns:a16="http://schemas.microsoft.com/office/drawing/2014/main" id="{904548E4-1F06-5119-3E68-7B60478F08A8}"/>
               </a:ext>
             </a:extLst>
           </p:cNvPr>
@@ -1792,7 +1792,7 @@
           <p:cNvPr id="7" name="日期占位符 6">
             <a:extLst>
               <a:ext uri="{FF2B5EF4-FFF2-40B4-BE49-F238E27FC236}">
-                <a16:creationId xmlns:a16="http://schemas.microsoft.com/office/drawing/2014/main" id="{B23A119F-CD6E-27DE-47B2-0CB51DC67363}"/>
+                <a16:creationId xmlns:a16="http://schemas.microsoft.com/office/drawing/2014/main" id="{294F37AB-382D-74EE-4E10-8D36C7AA0E09}"/>
               </a:ext>
             </a:extLst>
           </p:cNvPr>
@@ -1808,7 +1808,7 @@
           <a:bodyPr/>
           <a:lstStyle/>
           <a:p>
-            <a:fld id="{88BCB6F0-CC02-42E5-9156-954953B7D2B6}" type="datetimeFigureOut">
+            <a:fld id="{C65137E3-8D3C-4B0F-AC64-3C9C31F0F0B5}" type="datetimeFigureOut">
               <a:rPr lang="zh-CN" altLang="en-US" smtClean="0"/>
               <a:t>2024/3/10</a:t>
             </a:fld>
@@ -1821,7 +1821,7 @@
           <p:cNvPr id="8" name="页脚占位符 7">
             <a:extLst>
               <a:ext uri="{FF2B5EF4-FFF2-40B4-BE49-F238E27FC236}">
-                <a16:creationId xmlns:a16="http://schemas.microsoft.com/office/drawing/2014/main" id="{B3FC3229-E1E1-A121-A731-94D63560EB1D}"/>
+                <a16:creationId xmlns:a16="http://schemas.microsoft.com/office/drawing/2014/main" id="{EA747C4A-50A6-A014-4540-90C68BFA3984}"/>
               </a:ext>
             </a:extLst>
           </p:cNvPr>
@@ -1846,7 +1846,7 @@
           <p:cNvPr id="9" name="灯片编号占位符 8">
             <a:extLst>
               <a:ext uri="{FF2B5EF4-FFF2-40B4-BE49-F238E27FC236}">
-                <a16:creationId xmlns:a16="http://schemas.microsoft.com/office/drawing/2014/main" id="{EF5F9837-1549-AA07-A8B8-1778E1CC7E63}"/>
+                <a16:creationId xmlns:a16="http://schemas.microsoft.com/office/drawing/2014/main" id="{CE4DA46C-FD77-D9A9-A0E6-6263C2F43295}"/>
               </a:ext>
             </a:extLst>
           </p:cNvPr>
@@ -1862,7 +1862,7 @@
           <a:bodyPr/>
           <a:lstStyle/>
           <a:p>
-            <a:fld id="{CA57E5D5-D73E-4DCB-AEF4-89BFFE42125C}" type="slidenum">
+            <a:fld id="{ADD9C458-4448-4B9C-8884-1869A895C8F3}" type="slidenum">
               <a:rPr lang="zh-CN" altLang="en-US" smtClean="0"/>
               <a:t>‹#›</a:t>
             </a:fld>
@@ -1873,7 +1873,7 @@
     </p:spTree>
     <p:extLst>
       <p:ext uri="{BB962C8B-B14F-4D97-AF65-F5344CB8AC3E}">
-        <p14:creationId xmlns:p14="http://schemas.microsoft.com/office/powerpoint/2010/main" val="127546488"/>
+        <p14:creationId xmlns:p14="http://schemas.microsoft.com/office/powerpoint/2010/main" val="3745018516"/>
       </p:ext>
     </p:extLst>
   </p:cSld>
@@ -1905,7 +1905,7 @@
           <p:cNvPr id="2" name="标题 1">
             <a:extLst>
               <a:ext uri="{FF2B5EF4-FFF2-40B4-BE49-F238E27FC236}">
-                <a16:creationId xmlns:a16="http://schemas.microsoft.com/office/drawing/2014/main" id="{E2D1C355-691C-D121-8222-36B9C33090D8}"/>
+                <a16:creationId xmlns:a16="http://schemas.microsoft.com/office/drawing/2014/main" id="{4FB5DC5B-852C-475F-95AF-E476C064BC85}"/>
               </a:ext>
             </a:extLst>
           </p:cNvPr>
@@ -1933,7 +1933,7 @@
           <p:cNvPr id="3" name="日期占位符 2">
             <a:extLst>
               <a:ext uri="{FF2B5EF4-FFF2-40B4-BE49-F238E27FC236}">
-                <a16:creationId xmlns:a16="http://schemas.microsoft.com/office/drawing/2014/main" id="{93028D9B-396A-C6F4-4589-2442AA379A57}"/>
+                <a16:creationId xmlns:a16="http://schemas.microsoft.com/office/drawing/2014/main" id="{FE07BF52-46CE-CA68-B413-345B298C9FB4}"/>
               </a:ext>
             </a:extLst>
           </p:cNvPr>
@@ -1949,7 +1949,7 @@
           <a:bodyPr/>
           <a:lstStyle/>
           <a:p>
-            <a:fld id="{88BCB6F0-CC02-42E5-9156-954953B7D2B6}" type="datetimeFigureOut">
+            <a:fld id="{C65137E3-8D3C-4B0F-AC64-3C9C31F0F0B5}" type="datetimeFigureOut">
               <a:rPr lang="zh-CN" altLang="en-US" smtClean="0"/>
               <a:t>2024/3/10</a:t>
             </a:fld>
@@ -1962,7 +1962,7 @@
           <p:cNvPr id="4" name="页脚占位符 3">
             <a:extLst>
               <a:ext uri="{FF2B5EF4-FFF2-40B4-BE49-F238E27FC236}">
-                <a16:creationId xmlns:a16="http://schemas.microsoft.com/office/drawing/2014/main" id="{B4EB4E49-D89B-86BC-1648-43F9E7A9C5EE}"/>
+                <a16:creationId xmlns:a16="http://schemas.microsoft.com/office/drawing/2014/main" id="{2DE648F6-D713-80AF-8E70-82F33F223AEF}"/>
               </a:ext>
             </a:extLst>
           </p:cNvPr>
@@ -1987,7 +1987,7 @@
           <p:cNvPr id="5" name="灯片编号占位符 4">
             <a:extLst>
               <a:ext uri="{FF2B5EF4-FFF2-40B4-BE49-F238E27FC236}">
-                <a16:creationId xmlns:a16="http://schemas.microsoft.com/office/drawing/2014/main" id="{79D22685-9A7B-6BE4-6EB4-79375EBECF74}"/>
+                <a16:creationId xmlns:a16="http://schemas.microsoft.com/office/drawing/2014/main" id="{EBC72FF3-A073-8987-E90E-B7D38BEA0F41}"/>
               </a:ext>
             </a:extLst>
           </p:cNvPr>
@@ -2003,7 +2003,7 @@
           <a:bodyPr/>
           <a:lstStyle/>
           <a:p>
-            <a:fld id="{CA57E5D5-D73E-4DCB-AEF4-89BFFE42125C}" type="slidenum">
+            <a:fld id="{ADD9C458-4448-4B9C-8884-1869A895C8F3}" type="slidenum">
               <a:rPr lang="zh-CN" altLang="en-US" smtClean="0"/>
               <a:t>‹#›</a:t>
             </a:fld>
@@ -2014,7 +2014,7 @@
     </p:spTree>
     <p:extLst>
       <p:ext uri="{BB962C8B-B14F-4D97-AF65-F5344CB8AC3E}">
-        <p14:creationId xmlns:p14="http://schemas.microsoft.com/office/powerpoint/2010/main" val="1614641547"/>
+        <p14:creationId xmlns:p14="http://schemas.microsoft.com/office/powerpoint/2010/main" val="2281848624"/>
       </p:ext>
     </p:extLst>
   </p:cSld>
@@ -2046,7 +2046,7 @@
           <p:cNvPr id="2" name="日期占位符 1">
             <a:extLst>
               <a:ext uri="{FF2B5EF4-FFF2-40B4-BE49-F238E27FC236}">
-                <a16:creationId xmlns:a16="http://schemas.microsoft.com/office/drawing/2014/main" id="{9C4019CB-30F9-7DD0-B966-6615804B4E7F}"/>
+                <a16:creationId xmlns:a16="http://schemas.microsoft.com/office/drawing/2014/main" id="{71DFFA47-D50B-6E64-96AB-F8589839CFC1}"/>
               </a:ext>
             </a:extLst>
           </p:cNvPr>
@@ -2062,7 +2062,7 @@
           <a:bodyPr/>
           <a:lstStyle/>
           <a:p>
-            <a:fld id="{88BCB6F0-CC02-42E5-9156-954953B7D2B6}" type="datetimeFigureOut">
+            <a:fld id="{C65137E3-8D3C-4B0F-AC64-3C9C31F0F0B5}" type="datetimeFigureOut">
               <a:rPr lang="zh-CN" altLang="en-US" smtClean="0"/>
               <a:t>2024/3/10</a:t>
             </a:fld>
@@ -2075,7 +2075,7 @@
           <p:cNvPr id="3" name="页脚占位符 2">
             <a:extLst>
               <a:ext uri="{FF2B5EF4-FFF2-40B4-BE49-F238E27FC236}">
-                <a16:creationId xmlns:a16="http://schemas.microsoft.com/office/drawing/2014/main" id="{DFEE4612-AD13-E390-BCFD-79F49FE345A2}"/>
+                <a16:creationId xmlns:a16="http://schemas.microsoft.com/office/drawing/2014/main" id="{1BE1D35B-1097-C39B-4918-F471DD8B4A10}"/>
               </a:ext>
             </a:extLst>
           </p:cNvPr>
@@ -2100,7 +2100,7 @@
           <p:cNvPr id="4" name="灯片编号占位符 3">
             <a:extLst>
               <a:ext uri="{FF2B5EF4-FFF2-40B4-BE49-F238E27FC236}">
-                <a16:creationId xmlns:a16="http://schemas.microsoft.com/office/drawing/2014/main" id="{BDDF7FF2-33D5-C21A-DA10-DC2041B3E6F4}"/>
+                <a16:creationId xmlns:a16="http://schemas.microsoft.com/office/drawing/2014/main" id="{772DA305-55EF-1E47-F03B-B5054F250258}"/>
               </a:ext>
             </a:extLst>
           </p:cNvPr>
@@ -2116,7 +2116,7 @@
           <a:bodyPr/>
           <a:lstStyle/>
           <a:p>
-            <a:fld id="{CA57E5D5-D73E-4DCB-AEF4-89BFFE42125C}" type="slidenum">
+            <a:fld id="{ADD9C458-4448-4B9C-8884-1869A895C8F3}" type="slidenum">
               <a:rPr lang="zh-CN" altLang="en-US" smtClean="0"/>
               <a:t>‹#›</a:t>
             </a:fld>
@@ -2127,7 +2127,7 @@
     </p:spTree>
     <p:extLst>
       <p:ext uri="{BB962C8B-B14F-4D97-AF65-F5344CB8AC3E}">
-        <p14:creationId xmlns:p14="http://schemas.microsoft.com/office/powerpoint/2010/main" val="327149591"/>
+        <p14:creationId xmlns:p14="http://schemas.microsoft.com/office/powerpoint/2010/main" val="455602861"/>
       </p:ext>
     </p:extLst>
   </p:cSld>
@@ -2159,7 +2159,7 @@
           <p:cNvPr id="2" name="标题 1">
             <a:extLst>
               <a:ext uri="{FF2B5EF4-FFF2-40B4-BE49-F238E27FC236}">
-                <a16:creationId xmlns:a16="http://schemas.microsoft.com/office/drawing/2014/main" id="{6FEC3D7A-232C-CF4D-C6FC-33D348288F2D}"/>
+                <a16:creationId xmlns:a16="http://schemas.microsoft.com/office/drawing/2014/main" id="{E6DD5254-1D14-FCDE-8B9D-757D3B0D093E}"/>
               </a:ext>
             </a:extLst>
           </p:cNvPr>
@@ -2196,7 +2196,7 @@
           <p:cNvPr id="3" name="内容占位符 2">
             <a:extLst>
               <a:ext uri="{FF2B5EF4-FFF2-40B4-BE49-F238E27FC236}">
-                <a16:creationId xmlns:a16="http://schemas.microsoft.com/office/drawing/2014/main" id="{E5965A37-42FF-E8D4-867B-67F8B30696DA}"/>
+                <a16:creationId xmlns:a16="http://schemas.microsoft.com/office/drawing/2014/main" id="{8EEC1284-E65E-5772-3A50-8F2CC55DB26E}"/>
               </a:ext>
             </a:extLst>
           </p:cNvPr>
@@ -2286,7 +2286,7 @@
           <p:cNvPr id="4" name="文本占位符 3">
             <a:extLst>
               <a:ext uri="{FF2B5EF4-FFF2-40B4-BE49-F238E27FC236}">
-                <a16:creationId xmlns:a16="http://schemas.microsoft.com/office/drawing/2014/main" id="{F1173844-56A4-846E-5305-5AA4C611FF11}"/>
+                <a16:creationId xmlns:a16="http://schemas.microsoft.com/office/drawing/2014/main" id="{8F13352B-69D7-F832-BEF0-802DD89CFFE1}"/>
               </a:ext>
             </a:extLst>
           </p:cNvPr>
@@ -2357,7 +2357,7 @@
           <p:cNvPr id="5" name="日期占位符 4">
             <a:extLst>
               <a:ext uri="{FF2B5EF4-FFF2-40B4-BE49-F238E27FC236}">
-                <a16:creationId xmlns:a16="http://schemas.microsoft.com/office/drawing/2014/main" id="{22221D9F-921C-E382-FAA3-B75C93C1D4EC}"/>
+                <a16:creationId xmlns:a16="http://schemas.microsoft.com/office/drawing/2014/main" id="{9FDC821B-C090-B5D1-BB10-DCE4D8899E99}"/>
               </a:ext>
             </a:extLst>
           </p:cNvPr>
@@ -2373,7 +2373,7 @@
           <a:bodyPr/>
           <a:lstStyle/>
           <a:p>
-            <a:fld id="{88BCB6F0-CC02-42E5-9156-954953B7D2B6}" type="datetimeFigureOut">
+            <a:fld id="{C65137E3-8D3C-4B0F-AC64-3C9C31F0F0B5}" type="datetimeFigureOut">
               <a:rPr lang="zh-CN" altLang="en-US" smtClean="0"/>
               <a:t>2024/3/10</a:t>
             </a:fld>
@@ -2386,7 +2386,7 @@
           <p:cNvPr id="6" name="页脚占位符 5">
             <a:extLst>
               <a:ext uri="{FF2B5EF4-FFF2-40B4-BE49-F238E27FC236}">
-                <a16:creationId xmlns:a16="http://schemas.microsoft.com/office/drawing/2014/main" id="{9C71F903-F8AF-1269-6B3B-7090AFED11AC}"/>
+                <a16:creationId xmlns:a16="http://schemas.microsoft.com/office/drawing/2014/main" id="{1E80E77C-C0E4-D345-A348-A0AD9887088A}"/>
               </a:ext>
             </a:extLst>
           </p:cNvPr>
@@ -2411,7 +2411,7 @@
           <p:cNvPr id="7" name="灯片编号占位符 6">
             <a:extLst>
               <a:ext uri="{FF2B5EF4-FFF2-40B4-BE49-F238E27FC236}">
-                <a16:creationId xmlns:a16="http://schemas.microsoft.com/office/drawing/2014/main" id="{2F3D5AA5-7C55-24C4-670F-754C841ECA86}"/>
+                <a16:creationId xmlns:a16="http://schemas.microsoft.com/office/drawing/2014/main" id="{08E7FD29-C896-5FE5-D2E3-9BCC66CA57B4}"/>
               </a:ext>
             </a:extLst>
           </p:cNvPr>
@@ -2427,7 +2427,7 @@
           <a:bodyPr/>
           <a:lstStyle/>
           <a:p>
-            <a:fld id="{CA57E5D5-D73E-4DCB-AEF4-89BFFE42125C}" type="slidenum">
+            <a:fld id="{ADD9C458-4448-4B9C-8884-1869A895C8F3}" type="slidenum">
               <a:rPr lang="zh-CN" altLang="en-US" smtClean="0"/>
               <a:t>‹#›</a:t>
             </a:fld>
@@ -2438,7 +2438,7 @@
     </p:spTree>
     <p:extLst>
       <p:ext uri="{BB962C8B-B14F-4D97-AF65-F5344CB8AC3E}">
-        <p14:creationId xmlns:p14="http://schemas.microsoft.com/office/powerpoint/2010/main" val="3516765880"/>
+        <p14:creationId xmlns:p14="http://schemas.microsoft.com/office/powerpoint/2010/main" val="1261672194"/>
       </p:ext>
     </p:extLst>
   </p:cSld>
@@ -2470,7 +2470,7 @@
           <p:cNvPr id="2" name="标题 1">
             <a:extLst>
               <a:ext uri="{FF2B5EF4-FFF2-40B4-BE49-F238E27FC236}">
-                <a16:creationId xmlns:a16="http://schemas.microsoft.com/office/drawing/2014/main" id="{A242C59C-C5B1-FD51-B64B-B46132ADD4C3}"/>
+                <a16:creationId xmlns:a16="http://schemas.microsoft.com/office/drawing/2014/main" id="{9446C74B-9BFB-1325-8690-005CB90E044F}"/>
               </a:ext>
             </a:extLst>
           </p:cNvPr>
@@ -2507,7 +2507,7 @@
           <p:cNvPr id="3" name="图片占位符 2">
             <a:extLst>
               <a:ext uri="{FF2B5EF4-FFF2-40B4-BE49-F238E27FC236}">
-                <a16:creationId xmlns:a16="http://schemas.microsoft.com/office/drawing/2014/main" id="{5A8A51DE-9F9B-FA04-3292-6A5070F687A2}"/>
+                <a16:creationId xmlns:a16="http://schemas.microsoft.com/office/drawing/2014/main" id="{B337B2A4-7910-E3E4-6E98-2F7DA04ACF6C}"/>
               </a:ext>
             </a:extLst>
           </p:cNvPr>
@@ -2574,7 +2574,7 @@
           <p:cNvPr id="4" name="文本占位符 3">
             <a:extLst>
               <a:ext uri="{FF2B5EF4-FFF2-40B4-BE49-F238E27FC236}">
-                <a16:creationId xmlns:a16="http://schemas.microsoft.com/office/drawing/2014/main" id="{7AF54E94-5282-777F-F963-D6710A180D2E}"/>
+                <a16:creationId xmlns:a16="http://schemas.microsoft.com/office/drawing/2014/main" id="{0CC514DB-724C-2817-6722-51A61B7D9B52}"/>
               </a:ext>
             </a:extLst>
           </p:cNvPr>
@@ -2645,7 +2645,7 @@
           <p:cNvPr id="5" name="日期占位符 4">
             <a:extLst>
               <a:ext uri="{FF2B5EF4-FFF2-40B4-BE49-F238E27FC236}">
-                <a16:creationId xmlns:a16="http://schemas.microsoft.com/office/drawing/2014/main" id="{51D28B69-0F77-DE68-9883-9EB307C693D6}"/>
+                <a16:creationId xmlns:a16="http://schemas.microsoft.com/office/drawing/2014/main" id="{9720027E-9612-98E9-1E21-17F87FDFE99D}"/>
               </a:ext>
             </a:extLst>
           </p:cNvPr>
@@ -2661,7 +2661,7 @@
           <a:bodyPr/>
           <a:lstStyle/>
           <a:p>
-            <a:fld id="{88BCB6F0-CC02-42E5-9156-954953B7D2B6}" type="datetimeFigureOut">
+            <a:fld id="{C65137E3-8D3C-4B0F-AC64-3C9C31F0F0B5}" type="datetimeFigureOut">
               <a:rPr lang="zh-CN" altLang="en-US" smtClean="0"/>
               <a:t>2024/3/10</a:t>
             </a:fld>
@@ -2674,7 +2674,7 @@
           <p:cNvPr id="6" name="页脚占位符 5">
             <a:extLst>
               <a:ext uri="{FF2B5EF4-FFF2-40B4-BE49-F238E27FC236}">
-                <a16:creationId xmlns:a16="http://schemas.microsoft.com/office/drawing/2014/main" id="{20FC15FC-0FEA-2BD9-E018-ABE2D064F14B}"/>
+                <a16:creationId xmlns:a16="http://schemas.microsoft.com/office/drawing/2014/main" id="{260A1B92-E2C2-BA82-0D77-5318C85D6AE1}"/>
               </a:ext>
             </a:extLst>
           </p:cNvPr>
@@ -2699,7 +2699,7 @@
           <p:cNvPr id="7" name="灯片编号占位符 6">
             <a:extLst>
               <a:ext uri="{FF2B5EF4-FFF2-40B4-BE49-F238E27FC236}">
-                <a16:creationId xmlns:a16="http://schemas.microsoft.com/office/drawing/2014/main" id="{2D0CACD1-2DC5-97F4-C4EF-C9AE86BDC6B9}"/>
+                <a16:creationId xmlns:a16="http://schemas.microsoft.com/office/drawing/2014/main" id="{78FF0EE3-3D9D-2DDB-AC87-935FCCEC537B}"/>
               </a:ext>
             </a:extLst>
           </p:cNvPr>
@@ -2715,7 +2715,7 @@
           <a:bodyPr/>
           <a:lstStyle/>
           <a:p>
-            <a:fld id="{CA57E5D5-D73E-4DCB-AEF4-89BFFE42125C}" type="slidenum">
+            <a:fld id="{ADD9C458-4448-4B9C-8884-1869A895C8F3}" type="slidenum">
               <a:rPr lang="zh-CN" altLang="en-US" smtClean="0"/>
               <a:t>‹#›</a:t>
             </a:fld>
@@ -2726,7 +2726,7 @@
     </p:spTree>
     <p:extLst>
       <p:ext uri="{BB962C8B-B14F-4D97-AF65-F5344CB8AC3E}">
-        <p14:creationId xmlns:p14="http://schemas.microsoft.com/office/powerpoint/2010/main" val="3752892586"/>
+        <p14:creationId xmlns:p14="http://schemas.microsoft.com/office/powerpoint/2010/main" val="1395219621"/>
       </p:ext>
     </p:extLst>
   </p:cSld>
@@ -2763,7 +2763,7 @@
           <p:cNvPr id="2" name="标题占位符 1">
             <a:extLst>
               <a:ext uri="{FF2B5EF4-FFF2-40B4-BE49-F238E27FC236}">
-                <a16:creationId xmlns:a16="http://schemas.microsoft.com/office/drawing/2014/main" id="{C09C919B-EA25-A5EA-C564-0593C59A28A6}"/>
+                <a16:creationId xmlns:a16="http://schemas.microsoft.com/office/drawing/2014/main" id="{1308C598-088A-0BEF-A5CF-596150DC0770}"/>
               </a:ext>
             </a:extLst>
           </p:cNvPr>
@@ -2801,7 +2801,7 @@
           <p:cNvPr id="3" name="文本占位符 2">
             <a:extLst>
               <a:ext uri="{FF2B5EF4-FFF2-40B4-BE49-F238E27FC236}">
-                <a16:creationId xmlns:a16="http://schemas.microsoft.com/office/drawing/2014/main" id="{2877E4B5-851D-DC4B-857B-A058631FEBCD}"/>
+                <a16:creationId xmlns:a16="http://schemas.microsoft.com/office/drawing/2014/main" id="{1FF05602-2C7A-A98A-0AB7-2AD84EA8F7D7}"/>
               </a:ext>
             </a:extLst>
           </p:cNvPr>
@@ -2868,7 +2868,7 @@
           <p:cNvPr id="4" name="日期占位符 3">
             <a:extLst>
               <a:ext uri="{FF2B5EF4-FFF2-40B4-BE49-F238E27FC236}">
-                <a16:creationId xmlns:a16="http://schemas.microsoft.com/office/drawing/2014/main" id="{4A8519D9-851A-9952-1920-983A57E33410}"/>
+                <a16:creationId xmlns:a16="http://schemas.microsoft.com/office/drawing/2014/main" id="{EB61805A-45BE-050B-8193-39E6065A325B}"/>
               </a:ext>
             </a:extLst>
           </p:cNvPr>
@@ -2902,7 +2902,7 @@
             </a:lvl1pPr>
           </a:lstStyle>
           <a:p>
-            <a:fld id="{88BCB6F0-CC02-42E5-9156-954953B7D2B6}" type="datetimeFigureOut">
+            <a:fld id="{C65137E3-8D3C-4B0F-AC64-3C9C31F0F0B5}" type="datetimeFigureOut">
               <a:rPr lang="zh-CN" altLang="en-US" smtClean="0"/>
               <a:t>2024/3/10</a:t>
             </a:fld>
@@ -2915,7 +2915,7 @@
           <p:cNvPr id="5" name="页脚占位符 4">
             <a:extLst>
               <a:ext uri="{FF2B5EF4-FFF2-40B4-BE49-F238E27FC236}">
-                <a16:creationId xmlns:a16="http://schemas.microsoft.com/office/drawing/2014/main" id="{71343411-9BF8-AA08-F0F2-5CD0C1CD99B1}"/>
+                <a16:creationId xmlns:a16="http://schemas.microsoft.com/office/drawing/2014/main" id="{20A3D87C-B261-D580-F28F-B10C2AB375D7}"/>
               </a:ext>
             </a:extLst>
           </p:cNvPr>
@@ -2958,7 +2958,7 @@
           <p:cNvPr id="6" name="灯片编号占位符 5">
             <a:extLst>
               <a:ext uri="{FF2B5EF4-FFF2-40B4-BE49-F238E27FC236}">
-                <a16:creationId xmlns:a16="http://schemas.microsoft.com/office/drawing/2014/main" id="{549C12EB-3734-BCEB-4B44-8870AFDB1F02}"/>
+                <a16:creationId xmlns:a16="http://schemas.microsoft.com/office/drawing/2014/main" id="{1A568AD1-DE42-87C1-8940-8CC43F2FEDCB}"/>
               </a:ext>
             </a:extLst>
           </p:cNvPr>
@@ -2992,7 +2992,7 @@
             </a:lvl1pPr>
           </a:lstStyle>
           <a:p>
-            <a:fld id="{CA57E5D5-D73E-4DCB-AEF4-89BFFE42125C}" type="slidenum">
+            <a:fld id="{ADD9C458-4448-4B9C-8884-1869A895C8F3}" type="slidenum">
               <a:rPr lang="zh-CN" altLang="en-US" smtClean="0"/>
               <a:t>‹#›</a:t>
             </a:fld>
@@ -3003,7 +3003,7 @@
     </p:spTree>
     <p:extLst>
       <p:ext uri="{BB962C8B-B14F-4D97-AF65-F5344CB8AC3E}">
-        <p14:creationId xmlns:p14="http://schemas.microsoft.com/office/powerpoint/2010/main" val="11745637"/>
+        <p14:creationId xmlns:p14="http://schemas.microsoft.com/office/powerpoint/2010/main" val="982955267"/>
       </p:ext>
     </p:extLst>
   </p:cSld>
